--- a/04_PHP_OOP_and_MVC/14_L8_files/Slides/laravel_files.pptx
+++ b/04_PHP_OOP_and_MVC/14_L8_files/Slides/laravel_files.pptx
@@ -31,16 +31,16 @@
   <p:notesSz cx="6858000" cy="9144000"/>
   <p:embeddedFontLst>
     <p:embeddedFont>
-      <p:font typeface="Calibri" panose="020F0502020204030204" pitchFamily="34" charset="0"/>
+      <p:font typeface="Syncopate" panose="020B0604020202020204" charset="0"/>
       <p:regular r:id="rId21"/>
       <p:bold r:id="rId22"/>
-      <p:italic r:id="rId23"/>
-      <p:boldItalic r:id="rId24"/>
     </p:embeddedFont>
     <p:embeddedFont>
-      <p:font typeface="Syncopate" panose="020B0604020202020204" charset="0"/>
-      <p:regular r:id="rId25"/>
-      <p:bold r:id="rId26"/>
+      <p:font typeface="Calibri" panose="020F0502020204030204" pitchFamily="34" charset="0"/>
+      <p:regular r:id="rId23"/>
+      <p:bold r:id="rId24"/>
+      <p:italic r:id="rId25"/>
+      <p:boldItalic r:id="rId26"/>
     </p:embeddedFont>
   </p:embeddedFontLst>
   <p:defaultTextStyle>
@@ -12583,7 +12583,51 @@
                 <a:cs typeface="Arial"/>
                 <a:sym typeface="Arial"/>
               </a:rPr>
-              <a:t>Милена Томова - НПО ВРАЦА СОФТУЕР ОБЩЕСТВО - КУРС Уеб Разработка- 11.201</a:t>
+              <a:t>Милена Томова - НПО ВРАЦА СОФТУЕР ОБЩЕСТВО - КУРС Уеб Разработка- </a:t>
+            </a:r>
+            <a:r>
+              <a:rPr lang="en" sz="1400" b="1" i="0" u="none" strike="noStrike" cap="none" smtClean="0">
+                <a:solidFill>
+                  <a:srgbClr val="CCCCCC"/>
+                </a:solidFill>
+                <a:latin typeface="Arial"/>
+                <a:ea typeface="Arial"/>
+                <a:cs typeface="Arial"/>
+                <a:sym typeface="Arial"/>
+              </a:rPr>
+              <a:t>11.201</a:t>
+            </a:r>
+            <a:r>
+              <a:rPr lang="en" b="1" smtClean="0">
+                <a:solidFill>
+                  <a:srgbClr val="CCCCCC"/>
+                </a:solidFill>
+              </a:rPr>
+              <a:t>8 </a:t>
+            </a:r>
+            <a:r>
+              <a:rPr lang="en" sz="1400" b="1" i="0" u="none" strike="noStrike" cap="none" smtClean="0">
+                <a:solidFill>
+                  <a:srgbClr val="CCCCCC"/>
+                </a:solidFill>
+                <a:latin typeface="Arial"/>
+                <a:ea typeface="Arial"/>
+                <a:cs typeface="Arial"/>
+                <a:sym typeface="Arial"/>
+              </a:rPr>
+              <a:t>- </a:t>
+            </a:r>
+            <a:r>
+              <a:rPr lang="en" sz="1400" b="1" i="0" u="none" strike="noStrike" cap="none">
+                <a:solidFill>
+                  <a:srgbClr val="CCCCCC"/>
+                </a:solidFill>
+                <a:latin typeface="Arial"/>
+                <a:ea typeface="Arial"/>
+                <a:cs typeface="Arial"/>
+                <a:sym typeface="Arial"/>
+              </a:rPr>
+              <a:t>ВЕРСИЯ </a:t>
             </a:r>
             <a:r>
               <a:rPr lang="en" b="1">
@@ -12593,27 +12637,7 @@
               </a:rPr>
               <a:t>6</a:t>
             </a:r>
-            <a:r>
-              <a:rPr lang="en" sz="1400" b="1" i="0" u="none" strike="noStrike" cap="none">
-                <a:solidFill>
-                  <a:srgbClr val="CCCCCC"/>
-                </a:solidFill>
-                <a:latin typeface="Arial"/>
-                <a:ea typeface="Arial"/>
-                <a:cs typeface="Arial"/>
-                <a:sym typeface="Arial"/>
-              </a:rPr>
-              <a:t> - ВЕРСИЯ </a:t>
-            </a:r>
-            <a:r>
-              <a:rPr lang="en" b="1">
-                <a:solidFill>
-                  <a:srgbClr val="CCCCCC"/>
-                </a:solidFill>
-              </a:rPr>
-              <a:t>4</a:t>
-            </a:r>
-            <a:endParaRPr/>
+            <a:endParaRPr dirty="0"/>
           </a:p>
         </p:txBody>
       </p:sp>
